--- a/03.BI/background.pptx
+++ b/03.BI/background.pptx
@@ -6,7 +6,6 @@
   </p:sldMasterIdLst>
   <p:sldIdLst>
     <p:sldId id="257" r:id="rId2"/>
-    <p:sldId id="258" r:id="rId3"/>
   </p:sldIdLst>
   <p:sldSz cx="12192000" cy="6858000"/>
   <p:notesSz cx="6858000" cy="9144000"/>
@@ -105,15 +104,152 @@
       </a:defRPr>
     </a:lvl9pPr>
   </p:defaultTextStyle>
+  <p:extLst>
+    <p:ext uri="{EFAFB233-063F-42B5-8137-9DF3F51BA10A}">
+      <p15:sldGuideLst xmlns:p15="http://schemas.microsoft.com/office/powerpoint/2012/main"/>
+    </p:ext>
+  </p:extLst>
 </p:presentation>
 </file>
 
 <file path=ppt/revisionInfo.xml><?xml version="1.0" encoding="utf-8"?>
 <p1510:revInfo xmlns:a="http://schemas.openxmlformats.org/drawingml/2006/main" xmlns:r="http://schemas.openxmlformats.org/officeDocument/2006/relationships" xmlns:p1510="http://schemas.microsoft.com/office/powerpoint/2015/10/main">
   <p1510:revLst>
-    <p1510:client id="{6CC59798-2206-482B-B00B-0DDF2F91ADD3}" v="7" dt="2023-08-02T18:31:58.339"/>
+    <p1510:client id="{88288C49-B868-44A1-8379-F6E149D026FC}" v="6" dt="2023-08-07T20:28:17.678"/>
   </p1510:revLst>
 </p1510:revInfo>
+</file>
+
+<file path=ppt/changesInfos/changesInfo1.xml><?xml version="1.0" encoding="utf-8"?>
+<pc:chgInfo xmlns:a="http://schemas.openxmlformats.org/drawingml/2006/main" xmlns:r="http://schemas.openxmlformats.org/officeDocument/2006/relationships" xmlns:ac="http://schemas.microsoft.com/office/drawing/2013/main/command" xmlns:pc="http://schemas.microsoft.com/office/powerpoint/2013/main/command">
+  <pc:docChgLst>
+    <pc:chgData name="Jesús Alcalá" userId="bb6ba91b001233f7" providerId="LiveId" clId="{88288C49-B868-44A1-8379-F6E149D026FC}"/>
+    <pc:docChg chg="custSel delSld modSld">
+      <pc:chgData name="Jesús Alcalá" userId="bb6ba91b001233f7" providerId="LiveId" clId="{88288C49-B868-44A1-8379-F6E149D026FC}" dt="2023-08-07T20:33:39.610" v="42" actId="14100"/>
+      <pc:docMkLst>
+        <pc:docMk/>
+      </pc:docMkLst>
+      <pc:sldChg chg="addSp delSp modSp mod">
+        <pc:chgData name="Jesús Alcalá" userId="bb6ba91b001233f7" providerId="LiveId" clId="{88288C49-B868-44A1-8379-F6E149D026FC}" dt="2023-08-07T20:33:39.610" v="42" actId="14100"/>
+        <pc:sldMkLst>
+          <pc:docMk/>
+          <pc:sldMk cId="3214989022" sldId="257"/>
+        </pc:sldMkLst>
+        <pc:spChg chg="add mod">
+          <ac:chgData name="Jesús Alcalá" userId="bb6ba91b001233f7" providerId="LiveId" clId="{88288C49-B868-44A1-8379-F6E149D026FC}" dt="2023-08-07T20:27:31.063" v="23" actId="14100"/>
+          <ac:spMkLst>
+            <pc:docMk/>
+            <pc:sldMk cId="3214989022" sldId="257"/>
+            <ac:spMk id="6" creationId="{84FF0F72-6899-A7CA-30F9-5A1A214BB31E}"/>
+          </ac:spMkLst>
+        </pc:spChg>
+        <pc:spChg chg="add del mod">
+          <ac:chgData name="Jesús Alcalá" userId="bb6ba91b001233f7" providerId="LiveId" clId="{88288C49-B868-44A1-8379-F6E149D026FC}" dt="2023-08-07T20:27:05.902" v="18" actId="478"/>
+          <ac:spMkLst>
+            <pc:docMk/>
+            <pc:sldMk cId="3214989022" sldId="257"/>
+            <ac:spMk id="7" creationId="{F7528A0E-92EA-05E4-4084-2AF71F5E31DF}"/>
+          </ac:spMkLst>
+        </pc:spChg>
+        <pc:spChg chg="mod">
+          <ac:chgData name="Jesús Alcalá" userId="bb6ba91b001233f7" providerId="LiveId" clId="{88288C49-B868-44A1-8379-F6E149D026FC}" dt="2023-08-07T20:26:03.714" v="5" actId="14100"/>
+          <ac:spMkLst>
+            <pc:docMk/>
+            <pc:sldMk cId="3214989022" sldId="257"/>
+            <ac:spMk id="8" creationId="{F29C76EF-0AA8-1479-67B5-631B3B586052}"/>
+          </ac:spMkLst>
+        </pc:spChg>
+        <pc:spChg chg="add del mod">
+          <ac:chgData name="Jesús Alcalá" userId="bb6ba91b001233f7" providerId="LiveId" clId="{88288C49-B868-44A1-8379-F6E149D026FC}" dt="2023-08-07T20:26:59.181" v="15" actId="478"/>
+          <ac:spMkLst>
+            <pc:docMk/>
+            <pc:sldMk cId="3214989022" sldId="257"/>
+            <ac:spMk id="9" creationId="{02FB43C2-A1E5-1B6A-7253-C9165A5DB59C}"/>
+          </ac:spMkLst>
+        </pc:spChg>
+        <pc:spChg chg="add mod">
+          <ac:chgData name="Jesús Alcalá" userId="bb6ba91b001233f7" providerId="LiveId" clId="{88288C49-B868-44A1-8379-F6E149D026FC}" dt="2023-08-07T20:28:28.083" v="35" actId="14100"/>
+          <ac:spMkLst>
+            <pc:docMk/>
+            <pc:sldMk cId="3214989022" sldId="257"/>
+            <ac:spMk id="10" creationId="{2C499F6B-577A-277F-325C-5DFDF4997FCF}"/>
+          </ac:spMkLst>
+        </pc:spChg>
+        <pc:spChg chg="add mod">
+          <ac:chgData name="Jesús Alcalá" userId="bb6ba91b001233f7" providerId="LiveId" clId="{88288C49-B868-44A1-8379-F6E149D026FC}" dt="2023-08-07T20:27:44.220" v="25" actId="14100"/>
+          <ac:spMkLst>
+            <pc:docMk/>
+            <pc:sldMk cId="3214989022" sldId="257"/>
+            <ac:spMk id="11" creationId="{42A2DE11-ED3A-4AF9-4A40-6BB60E767A6B}"/>
+          </ac:spMkLst>
+        </pc:spChg>
+        <pc:spChg chg="add del mod">
+          <ac:chgData name="Jesús Alcalá" userId="bb6ba91b001233f7" providerId="LiveId" clId="{88288C49-B868-44A1-8379-F6E149D026FC}" dt="2023-08-07T20:28:30.430" v="37" actId="478"/>
+          <ac:spMkLst>
+            <pc:docMk/>
+            <pc:sldMk cId="3214989022" sldId="257"/>
+            <ac:spMk id="12" creationId="{AC814CDF-E62A-E94E-5DA5-972831A045DE}"/>
+          </ac:spMkLst>
+        </pc:spChg>
+        <pc:spChg chg="add del mod">
+          <ac:chgData name="Jesús Alcalá" userId="bb6ba91b001233f7" providerId="LiveId" clId="{88288C49-B868-44A1-8379-F6E149D026FC}" dt="2023-08-07T20:28:29.304" v="36" actId="478"/>
+          <ac:spMkLst>
+            <pc:docMk/>
+            <pc:sldMk cId="3214989022" sldId="257"/>
+            <ac:spMk id="13" creationId="{ABC2CC04-D90A-5C76-F6D2-8902D02FD2B1}"/>
+          </ac:spMkLst>
+        </pc:spChg>
+        <pc:spChg chg="mod">
+          <ac:chgData name="Jesús Alcalá" userId="bb6ba91b001233f7" providerId="LiveId" clId="{88288C49-B868-44A1-8379-F6E149D026FC}" dt="2023-08-07T20:33:39.610" v="42" actId="14100"/>
+          <ac:spMkLst>
+            <pc:docMk/>
+            <pc:sldMk cId="3214989022" sldId="257"/>
+            <ac:spMk id="19" creationId="{3ABE6C21-4DE7-449B-7DD4-DA7ED839E496}"/>
+          </ac:spMkLst>
+        </pc:spChg>
+        <pc:spChg chg="del mod">
+          <ac:chgData name="Jesús Alcalá" userId="bb6ba91b001233f7" providerId="LiveId" clId="{88288C49-B868-44A1-8379-F6E149D026FC}" dt="2023-08-07T20:26:43.585" v="9" actId="478"/>
+          <ac:spMkLst>
+            <pc:docMk/>
+            <pc:sldMk cId="3214989022" sldId="257"/>
+            <ac:spMk id="21" creationId="{37B02364-3958-7C58-7003-8434311D8423}"/>
+          </ac:spMkLst>
+        </pc:spChg>
+        <pc:spChg chg="del mod">
+          <ac:chgData name="Jesús Alcalá" userId="bb6ba91b001233f7" providerId="LiveId" clId="{88288C49-B868-44A1-8379-F6E149D026FC}" dt="2023-08-07T20:33:32.413" v="39" actId="478"/>
+          <ac:spMkLst>
+            <pc:docMk/>
+            <pc:sldMk cId="3214989022" sldId="257"/>
+            <ac:spMk id="22" creationId="{16D5AF40-94EA-8923-5C78-21F7747E2EB8}"/>
+          </ac:spMkLst>
+        </pc:spChg>
+        <pc:spChg chg="mod">
+          <ac:chgData name="Jesús Alcalá" userId="bb6ba91b001233f7" providerId="LiveId" clId="{88288C49-B868-44A1-8379-F6E149D026FC}" dt="2023-08-07T20:33:35.976" v="41" actId="14100"/>
+          <ac:spMkLst>
+            <pc:docMk/>
+            <pc:sldMk cId="3214989022" sldId="257"/>
+            <ac:spMk id="23" creationId="{3B23BFCB-603D-E7D4-5B12-949AE93CDAED}"/>
+          </ac:spMkLst>
+        </pc:spChg>
+        <pc:spChg chg="del">
+          <ac:chgData name="Jesús Alcalá" userId="bb6ba91b001233f7" providerId="LiveId" clId="{88288C49-B868-44A1-8379-F6E149D026FC}" dt="2023-08-07T20:33:33.097" v="40" actId="478"/>
+          <ac:spMkLst>
+            <pc:docMk/>
+            <pc:sldMk cId="3214989022" sldId="257"/>
+            <ac:spMk id="30" creationId="{62DE9B55-36EE-D7F9-A56E-815037EB74B5}"/>
+          </ac:spMkLst>
+        </pc:spChg>
+      </pc:sldChg>
+      <pc:sldChg chg="del">
+        <pc:chgData name="Jesús Alcalá" userId="bb6ba91b001233f7" providerId="LiveId" clId="{88288C49-B868-44A1-8379-F6E149D026FC}" dt="2023-08-07T20:25:36.880" v="0" actId="47"/>
+        <pc:sldMkLst>
+          <pc:docMk/>
+          <pc:sldMk cId="1809380053" sldId="258"/>
+        </pc:sldMkLst>
+      </pc:sldChg>
+    </pc:docChg>
+  </pc:docChgLst>
+</pc:chgInfo>
 </file>
 
 <file path=ppt/slideLayouts/slideLayout1.xml><?xml version="1.0" encoding="utf-8"?>
@@ -267,7 +403,7 @@
           <a:p>
             <a:fld id="{D208048B-57AF-4F53-BC84-8E0A1033FBEC}" type="datetimeFigureOut">
               <a:rPr lang="en-US" smtClean="0"/>
-              <a:t>8/2/2023</a:t>
+              <a:t>8/7/2023</a:t>
             </a:fld>
             <a:endParaRPr lang="en-US"/>
           </a:p>
@@ -465,7 +601,7 @@
           <a:p>
             <a:fld id="{D208048B-57AF-4F53-BC84-8E0A1033FBEC}" type="datetimeFigureOut">
               <a:rPr lang="en-US" smtClean="0"/>
-              <a:t>8/2/2023</a:t>
+              <a:t>8/7/2023</a:t>
             </a:fld>
             <a:endParaRPr lang="en-US"/>
           </a:p>
@@ -2002,7 +2138,7 @@
           <a:p>
             <a:fld id="{D208048B-57AF-4F53-BC84-8E0A1033FBEC}" type="datetimeFigureOut">
               <a:rPr lang="en-US" smtClean="0"/>
-              <a:t>8/2/2023</a:t>
+              <a:t>8/7/2023</a:t>
             </a:fld>
             <a:endParaRPr lang="en-US"/>
           </a:p>
@@ -2202,7 +2338,7 @@
           <a:p>
             <a:fld id="{D208048B-57AF-4F53-BC84-8E0A1033FBEC}" type="datetimeFigureOut">
               <a:rPr lang="en-US" smtClean="0"/>
-              <a:t>8/2/2023</a:t>
+              <a:t>8/7/2023</a:t>
             </a:fld>
             <a:endParaRPr lang="en-US"/>
           </a:p>
@@ -2480,7 +2616,7 @@
           <a:p>
             <a:fld id="{D208048B-57AF-4F53-BC84-8E0A1033FBEC}" type="datetimeFigureOut">
               <a:rPr lang="en-US" smtClean="0"/>
-              <a:t>8/2/2023</a:t>
+              <a:t>8/7/2023</a:t>
             </a:fld>
             <a:endParaRPr lang="en-US"/>
           </a:p>
@@ -3458,7 +3594,7 @@
           <a:p>
             <a:fld id="{D208048B-57AF-4F53-BC84-8E0A1033FBEC}" type="datetimeFigureOut">
               <a:rPr lang="en-US" smtClean="0"/>
-              <a:t>8/2/2023</a:t>
+              <a:t>8/7/2023</a:t>
             </a:fld>
             <a:endParaRPr lang="en-US"/>
           </a:p>
@@ -4578,7 +4714,7 @@
           <a:p>
             <a:fld id="{D208048B-57AF-4F53-BC84-8E0A1033FBEC}" type="datetimeFigureOut">
               <a:rPr lang="en-US" smtClean="0"/>
-              <a:t>8/2/2023</a:t>
+              <a:t>8/7/2023</a:t>
             </a:fld>
             <a:endParaRPr lang="en-US"/>
           </a:p>
@@ -4725,7 +4861,7 @@
           <a:p>
             <a:fld id="{D208048B-57AF-4F53-BC84-8E0A1033FBEC}" type="datetimeFigureOut">
               <a:rPr lang="en-US" smtClean="0"/>
-              <a:t>8/2/2023</a:t>
+              <a:t>8/7/2023</a:t>
             </a:fld>
             <a:endParaRPr lang="en-US"/>
           </a:p>
@@ -4838,7 +4974,7 @@
           <a:p>
             <a:fld id="{D208048B-57AF-4F53-BC84-8E0A1033FBEC}" type="datetimeFigureOut">
               <a:rPr lang="en-US" smtClean="0"/>
-              <a:t>8/2/2023</a:t>
+              <a:t>8/7/2023</a:t>
             </a:fld>
             <a:endParaRPr lang="en-US"/>
           </a:p>
@@ -6484,7 +6620,7 @@
           <a:p>
             <a:fld id="{D208048B-57AF-4F53-BC84-8E0A1033FBEC}" type="datetimeFigureOut">
               <a:rPr lang="en-US" smtClean="0"/>
-              <a:t>8/2/2023</a:t>
+              <a:t>8/7/2023</a:t>
             </a:fld>
             <a:endParaRPr lang="en-US"/>
           </a:p>
@@ -8122,7 +8258,7 @@
           <a:p>
             <a:fld id="{D208048B-57AF-4F53-BC84-8E0A1033FBEC}" type="datetimeFigureOut">
               <a:rPr lang="en-US" smtClean="0"/>
-              <a:t>8/2/2023</a:t>
+              <a:t>8/7/2023</a:t>
             </a:fld>
             <a:endParaRPr lang="en-US"/>
           </a:p>
@@ -9045,7 +9181,7 @@
             <a:fld id="{D208048B-57AF-4F53-BC84-8E0A1033FBEC}" type="datetimeFigureOut">
               <a:rPr lang="en-US" smtClean="0"/>
               <a:pPr/>
-              <a:t>8/2/2023</a:t>
+              <a:t>8/7/2023</a:t>
             </a:fld>
             <a:endParaRPr lang="en-US" dirty="0"/>
           </a:p>
@@ -9674,7 +9810,7 @@
         <p:spPr>
           <a:xfrm>
             <a:off x="150395" y="1046747"/>
-            <a:ext cx="1879827" cy="5510464"/>
+            <a:ext cx="1879827" cy="5721014"/>
           </a:xfrm>
           <a:prstGeom prst="rect">
             <a:avLst/>
@@ -9732,8 +9868,8 @@
         </p:nvSpPr>
         <p:spPr>
           <a:xfrm>
-            <a:off x="6971729" y="1586753"/>
-            <a:ext cx="5069874" cy="4970458"/>
+            <a:off x="6971729" y="1046155"/>
+            <a:ext cx="5069874" cy="5721608"/>
           </a:xfrm>
           <a:prstGeom prst="rect">
             <a:avLst/>
@@ -9779,10 +9915,10 @@
       </p:sp>
       <p:sp>
         <p:nvSpPr>
-          <p:cNvPr id="21" name="Rectangle 20">
+          <p:cNvPr id="23" name="Rectangle 22">
             <a:extLst>
               <a:ext uri="{FF2B5EF4-FFF2-40B4-BE49-F238E27FC236}">
-                <a16:creationId xmlns:a16="http://schemas.microsoft.com/office/drawing/2014/main" id="{37B02364-3958-7C58-7003-8434311D8423}"/>
+                <a16:creationId xmlns:a16="http://schemas.microsoft.com/office/drawing/2014/main" id="{3B23BFCB-603D-E7D4-5B12-949AE93CDAED}"/>
               </a:ext>
             </a:extLst>
           </p:cNvPr>
@@ -9791,8 +9927,8 @@
         </p:nvSpPr>
         <p:spPr>
           <a:xfrm>
-            <a:off x="2165684" y="299961"/>
-            <a:ext cx="9875919" cy="657965"/>
+            <a:off x="2161395" y="1046155"/>
+            <a:ext cx="4679160" cy="5721606"/>
           </a:xfrm>
           <a:prstGeom prst="rect">
             <a:avLst/>
@@ -9838,10 +9974,10 @@
       </p:sp>
       <p:sp>
         <p:nvSpPr>
-          <p:cNvPr id="30" name="Rectangle 29">
+          <p:cNvPr id="6" name="Rectangle 5">
             <a:extLst>
               <a:ext uri="{FF2B5EF4-FFF2-40B4-BE49-F238E27FC236}">
-                <a16:creationId xmlns:a16="http://schemas.microsoft.com/office/drawing/2014/main" id="{62DE9B55-36EE-D7F9-A56E-815037EB74B5}"/>
+                <a16:creationId xmlns:a16="http://schemas.microsoft.com/office/drawing/2014/main" id="{84FF0F72-6899-A7CA-30F9-5A1A214BB31E}"/>
               </a:ext>
             </a:extLst>
           </p:cNvPr>
@@ -9850,8 +9986,8 @@
         </p:nvSpPr>
         <p:spPr>
           <a:xfrm>
-            <a:off x="6971728" y="1046747"/>
-            <a:ext cx="5069875" cy="451185"/>
+            <a:off x="2165685" y="88820"/>
+            <a:ext cx="3177278" cy="867689"/>
           </a:xfrm>
           <a:prstGeom prst="rect">
             <a:avLst/>
@@ -9897,10 +10033,10 @@
       </p:sp>
       <p:sp>
         <p:nvSpPr>
-          <p:cNvPr id="22" name="Rectangle 21">
+          <p:cNvPr id="10" name="Rectangle 9">
             <a:extLst>
               <a:ext uri="{FF2B5EF4-FFF2-40B4-BE49-F238E27FC236}">
-                <a16:creationId xmlns:a16="http://schemas.microsoft.com/office/drawing/2014/main" id="{16D5AF40-94EA-8923-5C78-21F7747E2EB8}"/>
+                <a16:creationId xmlns:a16="http://schemas.microsoft.com/office/drawing/2014/main" id="{2C499F6B-577A-277F-325C-5DFDF4997FCF}"/>
               </a:ext>
             </a:extLst>
           </p:cNvPr>
@@ -9909,8 +10045,8 @@
         </p:nvSpPr>
         <p:spPr>
           <a:xfrm>
-            <a:off x="2165684" y="1046746"/>
-            <a:ext cx="4679160" cy="451185"/>
+            <a:off x="5482523" y="88819"/>
+            <a:ext cx="3252317" cy="867689"/>
           </a:xfrm>
           <a:prstGeom prst="rect">
             <a:avLst/>
@@ -9956,10 +10092,10 @@
       </p:sp>
       <p:sp>
         <p:nvSpPr>
-          <p:cNvPr id="23" name="Rectangle 22">
+          <p:cNvPr id="11" name="Rectangle 10">
             <a:extLst>
               <a:ext uri="{FF2B5EF4-FFF2-40B4-BE49-F238E27FC236}">
-                <a16:creationId xmlns:a16="http://schemas.microsoft.com/office/drawing/2014/main" id="{3B23BFCB-603D-E7D4-5B12-949AE93CDAED}"/>
+                <a16:creationId xmlns:a16="http://schemas.microsoft.com/office/drawing/2014/main" id="{42A2DE11-ED3A-4AF9-4A40-6BB60E767A6B}"/>
               </a:ext>
             </a:extLst>
           </p:cNvPr>
@@ -9968,8 +10104,8 @@
         </p:nvSpPr>
         <p:spPr>
           <a:xfrm>
-            <a:off x="2161395" y="1586751"/>
-            <a:ext cx="4679160" cy="4969632"/>
+            <a:off x="8870304" y="88820"/>
+            <a:ext cx="3177278" cy="867689"/>
           </a:xfrm>
           <a:prstGeom prst="rect">
             <a:avLst/>
@@ -10017,598 +10153,6 @@
     <p:extLst>
       <p:ext uri="{BB962C8B-B14F-4D97-AF65-F5344CB8AC3E}">
         <p14:creationId xmlns:p14="http://schemas.microsoft.com/office/powerpoint/2010/main" val="3214989022"/>
-      </p:ext>
-    </p:extLst>
-  </p:cSld>
-  <p:clrMapOvr>
-    <a:masterClrMapping/>
-  </p:clrMapOvr>
-</p:sld>
-</file>
-
-<file path=ppt/slides/slide2.xml><?xml version="1.0" encoding="utf-8"?>
-<p:sld xmlns:a="http://schemas.openxmlformats.org/drawingml/2006/main" xmlns:r="http://schemas.openxmlformats.org/officeDocument/2006/relationships" xmlns:p="http://schemas.openxmlformats.org/presentationml/2006/main">
-  <p:cSld>
-    <p:spTree>
-      <p:nvGrpSpPr>
-        <p:cNvPr id="1" name=""/>
-        <p:cNvGrpSpPr/>
-        <p:nvPr/>
-      </p:nvGrpSpPr>
-      <p:grpSpPr>
-        <a:xfrm>
-          <a:off x="0" y="0"/>
-          <a:ext cx="0" cy="0"/>
-          <a:chOff x="0" y="0"/>
-          <a:chExt cx="0" cy="0"/>
-        </a:xfrm>
-      </p:grpSpPr>
-      <p:sp>
-        <p:nvSpPr>
-          <p:cNvPr id="5" name="Flowchart: Delay 4">
-            <a:extLst>
-              <a:ext uri="{FF2B5EF4-FFF2-40B4-BE49-F238E27FC236}">
-                <a16:creationId xmlns:a16="http://schemas.microsoft.com/office/drawing/2014/main" id="{805DBC8B-E61F-C509-46A6-3CA7BEA572FA}"/>
-              </a:ext>
-            </a:extLst>
-          </p:cNvPr>
-          <p:cNvSpPr/>
-          <p:nvPr/>
-        </p:nvSpPr>
-        <p:spPr>
-          <a:xfrm rot="10800000">
-            <a:off x="11734800" y="3352799"/>
-            <a:ext cx="464741" cy="1345531"/>
-          </a:xfrm>
-          <a:prstGeom prst="flowChartDelay">
-            <a:avLst/>
-          </a:prstGeom>
-          <a:ln>
-            <a:noFill/>
-          </a:ln>
-        </p:spPr>
-        <p:style>
-          <a:lnRef idx="2">
-            <a:schemeClr val="accent4">
-              <a:shade val="15000"/>
-            </a:schemeClr>
-          </a:lnRef>
-          <a:fillRef idx="1">
-            <a:schemeClr val="accent4"/>
-          </a:fillRef>
-          <a:effectRef idx="0">
-            <a:schemeClr val="accent4"/>
-          </a:effectRef>
-          <a:fontRef idx="minor">
-            <a:schemeClr val="lt1"/>
-          </a:fontRef>
-        </p:style>
-        <p:txBody>
-          <a:bodyPr rtlCol="0" anchor="ctr"/>
-          <a:lstStyle/>
-          <a:p>
-            <a:pPr algn="ctr"/>
-            <a:endParaRPr lang="fr-CA"/>
-          </a:p>
-        </p:txBody>
-      </p:sp>
-      <p:sp>
-        <p:nvSpPr>
-          <p:cNvPr id="2" name="Rectangle 1">
-            <a:extLst>
-              <a:ext uri="{FF2B5EF4-FFF2-40B4-BE49-F238E27FC236}">
-                <a16:creationId xmlns:a16="http://schemas.microsoft.com/office/drawing/2014/main" id="{59BD6A20-9CFE-9264-E7E1-2327AC46BC00}"/>
-              </a:ext>
-            </a:extLst>
-          </p:cNvPr>
-          <p:cNvSpPr/>
-          <p:nvPr/>
-        </p:nvSpPr>
-        <p:spPr>
-          <a:xfrm>
-            <a:off x="8353028" y="-828"/>
-            <a:ext cx="3064939" cy="6557211"/>
-          </a:xfrm>
-          <a:prstGeom prst="rect">
-            <a:avLst/>
-          </a:prstGeom>
-          <a:ln>
-            <a:noFill/>
-          </a:ln>
-        </p:spPr>
-        <p:style>
-          <a:lnRef idx="2">
-            <a:schemeClr val="accent4">
-              <a:shade val="15000"/>
-            </a:schemeClr>
-          </a:lnRef>
-          <a:fillRef idx="1">
-            <a:schemeClr val="accent4"/>
-          </a:fillRef>
-          <a:effectRef idx="0">
-            <a:schemeClr val="accent4"/>
-          </a:effectRef>
-          <a:fontRef idx="minor">
-            <a:schemeClr val="lt1"/>
-          </a:fontRef>
-        </p:style>
-        <p:txBody>
-          <a:bodyPr rtlCol="0" anchor="ctr"/>
-          <a:lstStyle/>
-          <a:p>
-            <a:pPr algn="ctr"/>
-            <a:endParaRPr lang="fr-CA"/>
-          </a:p>
-        </p:txBody>
-      </p:sp>
-      <p:sp>
-        <p:nvSpPr>
-          <p:cNvPr id="3" name="Flowchart: Delay 2">
-            <a:extLst>
-              <a:ext uri="{FF2B5EF4-FFF2-40B4-BE49-F238E27FC236}">
-                <a16:creationId xmlns:a16="http://schemas.microsoft.com/office/drawing/2014/main" id="{66BF4714-949E-8CED-2C62-A3F5D9465F9C}"/>
-              </a:ext>
-            </a:extLst>
-          </p:cNvPr>
-          <p:cNvSpPr/>
-          <p:nvPr/>
-        </p:nvSpPr>
-        <p:spPr>
-          <a:xfrm rot="2704192">
-            <a:off x="10805319" y="6250473"/>
-            <a:ext cx="612648" cy="612648"/>
-          </a:xfrm>
-          <a:prstGeom prst="flowChartDelay">
-            <a:avLst/>
-          </a:prstGeom>
-          <a:ln>
-            <a:noFill/>
-          </a:ln>
-        </p:spPr>
-        <p:style>
-          <a:lnRef idx="2">
-            <a:schemeClr val="accent4">
-              <a:shade val="15000"/>
-            </a:schemeClr>
-          </a:lnRef>
-          <a:fillRef idx="1">
-            <a:schemeClr val="accent4"/>
-          </a:fillRef>
-          <a:effectRef idx="0">
-            <a:schemeClr val="accent4"/>
-          </a:effectRef>
-          <a:fontRef idx="minor">
-            <a:schemeClr val="lt1"/>
-          </a:fontRef>
-        </p:style>
-        <p:txBody>
-          <a:bodyPr rtlCol="0" anchor="ctr"/>
-          <a:lstStyle/>
-          <a:p>
-            <a:pPr algn="ctr"/>
-            <a:endParaRPr lang="fr-CA"/>
-          </a:p>
-        </p:txBody>
-      </p:sp>
-      <p:sp>
-        <p:nvSpPr>
-          <p:cNvPr id="4" name="Rectangle 3">
-            <a:extLst>
-              <a:ext uri="{FF2B5EF4-FFF2-40B4-BE49-F238E27FC236}">
-                <a16:creationId xmlns:a16="http://schemas.microsoft.com/office/drawing/2014/main" id="{42D99C54-DFD3-4B4A-3FD6-AA0040D1B892}"/>
-              </a:ext>
-            </a:extLst>
-          </p:cNvPr>
-          <p:cNvSpPr/>
-          <p:nvPr/>
-        </p:nvSpPr>
-        <p:spPr>
-          <a:xfrm>
-            <a:off x="8353029" y="6556383"/>
-            <a:ext cx="2722040" cy="301617"/>
-          </a:xfrm>
-          <a:prstGeom prst="rect">
-            <a:avLst/>
-          </a:prstGeom>
-          <a:ln>
-            <a:noFill/>
-          </a:ln>
-        </p:spPr>
-        <p:style>
-          <a:lnRef idx="2">
-            <a:schemeClr val="accent4">
-              <a:shade val="15000"/>
-            </a:schemeClr>
-          </a:lnRef>
-          <a:fillRef idx="1">
-            <a:schemeClr val="accent4"/>
-          </a:fillRef>
-          <a:effectRef idx="0">
-            <a:schemeClr val="accent4"/>
-          </a:effectRef>
-          <a:fontRef idx="minor">
-            <a:schemeClr val="lt1"/>
-          </a:fontRef>
-        </p:style>
-        <p:txBody>
-          <a:bodyPr rtlCol="0" anchor="ctr"/>
-          <a:lstStyle/>
-          <a:p>
-            <a:pPr algn="ctr"/>
-            <a:endParaRPr lang="fr-CA"/>
-          </a:p>
-        </p:txBody>
-      </p:sp>
-      <p:sp>
-        <p:nvSpPr>
-          <p:cNvPr id="8" name="Rectangle 7">
-            <a:extLst>
-              <a:ext uri="{FF2B5EF4-FFF2-40B4-BE49-F238E27FC236}">
-                <a16:creationId xmlns:a16="http://schemas.microsoft.com/office/drawing/2014/main" id="{F29C76EF-0AA8-1479-67B5-631B3B586052}"/>
-              </a:ext>
-            </a:extLst>
-          </p:cNvPr>
-          <p:cNvSpPr/>
-          <p:nvPr/>
-        </p:nvSpPr>
-        <p:spPr>
-          <a:xfrm>
-            <a:off x="150395" y="1046747"/>
-            <a:ext cx="1879827" cy="5510464"/>
-          </a:xfrm>
-          <a:prstGeom prst="rect">
-            <a:avLst/>
-          </a:prstGeom>
-          <a:solidFill>
-            <a:schemeClr val="tx1">
-              <a:lumMod val="75000"/>
-            </a:schemeClr>
-          </a:solidFill>
-          <a:ln>
-            <a:noFill/>
-          </a:ln>
-          <a:effectLst>
-            <a:outerShdw blurRad="63500" sx="102000" sy="102000" algn="ctr" rotWithShape="0">
-              <a:prstClr val="black">
-                <a:alpha val="40000"/>
-              </a:prstClr>
-            </a:outerShdw>
-          </a:effectLst>
-        </p:spPr>
-        <p:style>
-          <a:lnRef idx="2">
-            <a:schemeClr val="accent1">
-              <a:shade val="15000"/>
-            </a:schemeClr>
-          </a:lnRef>
-          <a:fillRef idx="1">
-            <a:schemeClr val="accent1"/>
-          </a:fillRef>
-          <a:effectRef idx="0">
-            <a:schemeClr val="accent1"/>
-          </a:effectRef>
-          <a:fontRef idx="minor">
-            <a:schemeClr val="lt1"/>
-          </a:fontRef>
-        </p:style>
-        <p:txBody>
-          <a:bodyPr rtlCol="0" anchor="ctr"/>
-          <a:lstStyle/>
-          <a:p>
-            <a:pPr algn="ctr"/>
-            <a:endParaRPr lang="fr-CA"/>
-          </a:p>
-        </p:txBody>
-      </p:sp>
-      <p:sp>
-        <p:nvSpPr>
-          <p:cNvPr id="19" name="Rectangle 18">
-            <a:extLst>
-              <a:ext uri="{FF2B5EF4-FFF2-40B4-BE49-F238E27FC236}">
-                <a16:creationId xmlns:a16="http://schemas.microsoft.com/office/drawing/2014/main" id="{3ABE6C21-4DE7-449B-7DD4-DA7ED839E496}"/>
-              </a:ext>
-            </a:extLst>
-          </p:cNvPr>
-          <p:cNvSpPr/>
-          <p:nvPr/>
-        </p:nvSpPr>
-        <p:spPr>
-          <a:xfrm>
-            <a:off x="6971729" y="1586753"/>
-            <a:ext cx="5069874" cy="4970458"/>
-          </a:xfrm>
-          <a:prstGeom prst="rect">
-            <a:avLst/>
-          </a:prstGeom>
-          <a:solidFill>
-            <a:schemeClr val="tx1">
-              <a:lumMod val="75000"/>
-            </a:schemeClr>
-          </a:solidFill>
-          <a:ln>
-            <a:noFill/>
-          </a:ln>
-          <a:effectLst>
-            <a:outerShdw blurRad="63500" sx="102000" sy="102000" algn="ctr" rotWithShape="0">
-              <a:prstClr val="black">
-                <a:alpha val="40000"/>
-              </a:prstClr>
-            </a:outerShdw>
-          </a:effectLst>
-        </p:spPr>
-        <p:style>
-          <a:lnRef idx="2">
-            <a:schemeClr val="accent1">
-              <a:shade val="15000"/>
-            </a:schemeClr>
-          </a:lnRef>
-          <a:fillRef idx="1">
-            <a:schemeClr val="accent1"/>
-          </a:fillRef>
-          <a:effectRef idx="0">
-            <a:schemeClr val="accent1"/>
-          </a:effectRef>
-          <a:fontRef idx="minor">
-            <a:schemeClr val="lt1"/>
-          </a:fontRef>
-        </p:style>
-        <p:txBody>
-          <a:bodyPr rtlCol="0" anchor="ctr"/>
-          <a:lstStyle/>
-          <a:p>
-            <a:pPr algn="ctr"/>
-            <a:endParaRPr lang="fr-CA"/>
-          </a:p>
-        </p:txBody>
-      </p:sp>
-      <p:sp>
-        <p:nvSpPr>
-          <p:cNvPr id="21" name="Rectangle 20">
-            <a:extLst>
-              <a:ext uri="{FF2B5EF4-FFF2-40B4-BE49-F238E27FC236}">
-                <a16:creationId xmlns:a16="http://schemas.microsoft.com/office/drawing/2014/main" id="{37B02364-3958-7C58-7003-8434311D8423}"/>
-              </a:ext>
-            </a:extLst>
-          </p:cNvPr>
-          <p:cNvSpPr/>
-          <p:nvPr/>
-        </p:nvSpPr>
-        <p:spPr>
-          <a:xfrm>
-            <a:off x="2165684" y="299961"/>
-            <a:ext cx="9875919" cy="657965"/>
-          </a:xfrm>
-          <a:prstGeom prst="rect">
-            <a:avLst/>
-          </a:prstGeom>
-          <a:solidFill>
-            <a:schemeClr val="tx1">
-              <a:lumMod val="75000"/>
-            </a:schemeClr>
-          </a:solidFill>
-          <a:ln>
-            <a:noFill/>
-          </a:ln>
-          <a:effectLst>
-            <a:outerShdw blurRad="63500" sx="102000" sy="102000" algn="ctr" rotWithShape="0">
-              <a:prstClr val="black">
-                <a:alpha val="40000"/>
-              </a:prstClr>
-            </a:outerShdw>
-          </a:effectLst>
-        </p:spPr>
-        <p:style>
-          <a:lnRef idx="2">
-            <a:schemeClr val="accent1">
-              <a:shade val="15000"/>
-            </a:schemeClr>
-          </a:lnRef>
-          <a:fillRef idx="1">
-            <a:schemeClr val="accent1"/>
-          </a:fillRef>
-          <a:effectRef idx="0">
-            <a:schemeClr val="accent1"/>
-          </a:effectRef>
-          <a:fontRef idx="minor">
-            <a:schemeClr val="lt1"/>
-          </a:fontRef>
-        </p:style>
-        <p:txBody>
-          <a:bodyPr rtlCol="0" anchor="ctr"/>
-          <a:lstStyle/>
-          <a:p>
-            <a:pPr algn="ctr"/>
-            <a:endParaRPr lang="fr-CA"/>
-          </a:p>
-        </p:txBody>
-      </p:sp>
-      <p:sp>
-        <p:nvSpPr>
-          <p:cNvPr id="30" name="Rectangle 29">
-            <a:extLst>
-              <a:ext uri="{FF2B5EF4-FFF2-40B4-BE49-F238E27FC236}">
-                <a16:creationId xmlns:a16="http://schemas.microsoft.com/office/drawing/2014/main" id="{62DE9B55-36EE-D7F9-A56E-815037EB74B5}"/>
-              </a:ext>
-            </a:extLst>
-          </p:cNvPr>
-          <p:cNvSpPr/>
-          <p:nvPr/>
-        </p:nvSpPr>
-        <p:spPr>
-          <a:xfrm>
-            <a:off x="6971728" y="1046747"/>
-            <a:ext cx="5069875" cy="451185"/>
-          </a:xfrm>
-          <a:prstGeom prst="rect">
-            <a:avLst/>
-          </a:prstGeom>
-          <a:solidFill>
-            <a:schemeClr val="tx1">
-              <a:lumMod val="75000"/>
-            </a:schemeClr>
-          </a:solidFill>
-          <a:ln>
-            <a:noFill/>
-          </a:ln>
-          <a:effectLst>
-            <a:outerShdw blurRad="63500" sx="102000" sy="102000" algn="ctr" rotWithShape="0">
-              <a:prstClr val="black">
-                <a:alpha val="40000"/>
-              </a:prstClr>
-            </a:outerShdw>
-          </a:effectLst>
-        </p:spPr>
-        <p:style>
-          <a:lnRef idx="2">
-            <a:schemeClr val="accent1">
-              <a:shade val="15000"/>
-            </a:schemeClr>
-          </a:lnRef>
-          <a:fillRef idx="1">
-            <a:schemeClr val="accent1"/>
-          </a:fillRef>
-          <a:effectRef idx="0">
-            <a:schemeClr val="accent1"/>
-          </a:effectRef>
-          <a:fontRef idx="minor">
-            <a:schemeClr val="lt1"/>
-          </a:fontRef>
-        </p:style>
-        <p:txBody>
-          <a:bodyPr rtlCol="0" anchor="ctr"/>
-          <a:lstStyle/>
-          <a:p>
-            <a:pPr algn="ctr"/>
-            <a:endParaRPr lang="fr-CA"/>
-          </a:p>
-        </p:txBody>
-      </p:sp>
-      <p:sp>
-        <p:nvSpPr>
-          <p:cNvPr id="22" name="Rectangle 21">
-            <a:extLst>
-              <a:ext uri="{FF2B5EF4-FFF2-40B4-BE49-F238E27FC236}">
-                <a16:creationId xmlns:a16="http://schemas.microsoft.com/office/drawing/2014/main" id="{16D5AF40-94EA-8923-5C78-21F7747E2EB8}"/>
-              </a:ext>
-            </a:extLst>
-          </p:cNvPr>
-          <p:cNvSpPr/>
-          <p:nvPr/>
-        </p:nvSpPr>
-        <p:spPr>
-          <a:xfrm>
-            <a:off x="2165684" y="1046746"/>
-            <a:ext cx="4679160" cy="451185"/>
-          </a:xfrm>
-          <a:prstGeom prst="rect">
-            <a:avLst/>
-          </a:prstGeom>
-          <a:solidFill>
-            <a:schemeClr val="tx1">
-              <a:lumMod val="75000"/>
-            </a:schemeClr>
-          </a:solidFill>
-          <a:ln>
-            <a:noFill/>
-          </a:ln>
-          <a:effectLst>
-            <a:outerShdw blurRad="63500" sx="102000" sy="102000" algn="ctr" rotWithShape="0">
-              <a:prstClr val="black">
-                <a:alpha val="40000"/>
-              </a:prstClr>
-            </a:outerShdw>
-          </a:effectLst>
-        </p:spPr>
-        <p:style>
-          <a:lnRef idx="2">
-            <a:schemeClr val="accent1">
-              <a:shade val="15000"/>
-            </a:schemeClr>
-          </a:lnRef>
-          <a:fillRef idx="1">
-            <a:schemeClr val="accent1"/>
-          </a:fillRef>
-          <a:effectRef idx="0">
-            <a:schemeClr val="accent1"/>
-          </a:effectRef>
-          <a:fontRef idx="minor">
-            <a:schemeClr val="lt1"/>
-          </a:fontRef>
-        </p:style>
-        <p:txBody>
-          <a:bodyPr rtlCol="0" anchor="ctr"/>
-          <a:lstStyle/>
-          <a:p>
-            <a:pPr algn="ctr"/>
-            <a:endParaRPr lang="fr-CA"/>
-          </a:p>
-        </p:txBody>
-      </p:sp>
-      <p:sp>
-        <p:nvSpPr>
-          <p:cNvPr id="23" name="Rectangle 22">
-            <a:extLst>
-              <a:ext uri="{FF2B5EF4-FFF2-40B4-BE49-F238E27FC236}">
-                <a16:creationId xmlns:a16="http://schemas.microsoft.com/office/drawing/2014/main" id="{3B23BFCB-603D-E7D4-5B12-949AE93CDAED}"/>
-              </a:ext>
-            </a:extLst>
-          </p:cNvPr>
-          <p:cNvSpPr/>
-          <p:nvPr/>
-        </p:nvSpPr>
-        <p:spPr>
-          <a:xfrm>
-            <a:off x="2161395" y="1586751"/>
-            <a:ext cx="4679160" cy="4969632"/>
-          </a:xfrm>
-          <a:prstGeom prst="rect">
-            <a:avLst/>
-          </a:prstGeom>
-          <a:solidFill>
-            <a:schemeClr val="tx1">
-              <a:lumMod val="75000"/>
-            </a:schemeClr>
-          </a:solidFill>
-          <a:ln>
-            <a:noFill/>
-          </a:ln>
-          <a:effectLst>
-            <a:outerShdw blurRad="63500" sx="102000" sy="102000" algn="ctr" rotWithShape="0">
-              <a:prstClr val="black">
-                <a:alpha val="40000"/>
-              </a:prstClr>
-            </a:outerShdw>
-          </a:effectLst>
-        </p:spPr>
-        <p:style>
-          <a:lnRef idx="2">
-            <a:schemeClr val="accent1">
-              <a:shade val="15000"/>
-            </a:schemeClr>
-          </a:lnRef>
-          <a:fillRef idx="1">
-            <a:schemeClr val="accent1"/>
-          </a:fillRef>
-          <a:effectRef idx="0">
-            <a:schemeClr val="accent1"/>
-          </a:effectRef>
-          <a:fontRef idx="minor">
-            <a:schemeClr val="lt1"/>
-          </a:fontRef>
-        </p:style>
-        <p:txBody>
-          <a:bodyPr rtlCol="0" anchor="ctr"/>
-          <a:lstStyle/>
-          <a:p>
-            <a:pPr algn="ctr"/>
-            <a:endParaRPr lang="fr-CA"/>
-          </a:p>
-        </p:txBody>
-      </p:sp>
-    </p:spTree>
-    <p:extLst>
-      <p:ext uri="{BB962C8B-B14F-4D97-AF65-F5344CB8AC3E}">
-        <p14:creationId xmlns:p14="http://schemas.microsoft.com/office/powerpoint/2010/main" val="1809380053"/>
       </p:ext>
     </p:extLst>
   </p:cSld>
